--- a/thesis/Báo cáo chuyên ngành - Mai Trần Thanh Nhật/DoAnChuyenNganh - Mai Tran Thanh Nhat - 110122017.pptx
+++ b/thesis/Báo cáo chuyên ngành - Mai Trần Thanh Nhật/DoAnChuyenNganh - Mai Tran Thanh Nhat - 110122017.pptx
@@ -2217,7 +2217,7 @@
                 <a:latin typeface="Times New Roman" panose="02020603050405020304" pitchFamily="18" charset="0"/>
                 <a:cs typeface="Times New Roman" panose="02020603050405020304" pitchFamily="18" charset="0"/>
               </a:rPr>
-              <a:t>PHÁT TRIỂN ỨNG DỤNG WEB HỖ TRỢ HỌC TIẾNG ANH CHO NGƯỜI KHMER Ở NÔNG THÔN</a:t>
+              <a:t>PHÁT TRIỂN ỨNG DỤNG WEB HỌC TIẾNG ANH DÀNH CHO NGƯỜI KHMER Ở NÔNG THÔN</a:t>
             </a:r>
             <a:endParaRPr lang="vi-VN" sz="3200" b="1" dirty="0">
               <a:solidFill>
